--- a/Presentation.pptx
+++ b/Presentation.pptx
@@ -5,10 +5,10 @@
     <p:sldMasterId id="2147483685" r:id="rId1"/>
   </p:sldMasterIdLst>
   <p:notesMasterIdLst>
-    <p:notesMasterId r:id="rId12"/>
+    <p:notesMasterId r:id="rId13"/>
   </p:notesMasterIdLst>
   <p:handoutMasterIdLst>
-    <p:handoutMasterId r:id="rId13"/>
+    <p:handoutMasterId r:id="rId14"/>
   </p:handoutMasterIdLst>
   <p:sldIdLst>
     <p:sldId id="329" r:id="rId2"/>
@@ -21,11 +21,12 @@
     <p:sldId id="334" r:id="rId9"/>
     <p:sldId id="339" r:id="rId10"/>
     <p:sldId id="340" r:id="rId11"/>
+    <p:sldId id="341" r:id="rId12"/>
   </p:sldIdLst>
   <p:sldSz cx="12188825" cy="6858000"/>
   <p:notesSz cx="6858000" cy="9144000"/>
   <p:custDataLst>
-    <p:tags r:id="rId14"/>
+    <p:tags r:id="rId15"/>
   </p:custDataLst>
   <p:defaultTextStyle>
     <a:defPPr>
@@ -124,7 +125,7 @@
   </p:defaultTextStyle>
   <p:extLst>
     <p:ext uri="{EFAFB233-063F-42B5-8137-9DF3F51BA10A}">
-      <p15:sldGuideLst xmlns:p15="http://schemas.microsoft.com/office/powerpoint/2012/main">
+      <p15:sldGuideLst xmlns:p15="http://schemas.microsoft.com/office/powerpoint/2012/main" xmlns="">
         <p15:guide id="1" orient="horz" pos="2160">
           <p15:clr>
             <a:srgbClr val="A4A3A4"/>
@@ -158,7 +159,7 @@
       </p15:sldGuideLst>
     </p:ext>
     <p:ext uri="{2D200454-40CA-4A62-9FC3-DE9A4176ACB9}">
-      <p15:notesGuideLst xmlns:p15="http://schemas.microsoft.com/office/powerpoint/2012/main">
+      <p15:notesGuideLst xmlns:p15="http://schemas.microsoft.com/office/powerpoint/2012/main" xmlns="">
         <p15:guide id="1" orient="horz" pos="2880">
           <p15:clr>
             <a:srgbClr val="A4A3A4"/>
@@ -257,7 +258,7 @@
           <a:p>
             <a:fld id="{FB004553-04C5-4BB3-AD4E-8B2EF3CDDAF9}" type="datetimeFigureOut">
               <a:rPr lang="en-US" smtClean="0"/>
-              <a:t>01/06/2016</a:t>
+              <a:t>6/2/2016</a:t>
             </a:fld>
             <a:endParaRPr lang="en-US"/>
           </a:p>
@@ -422,7 +423,7 @@
           <a:p>
             <a:fld id="{3CB6F0DB-E055-41D0-9102-627A646E4242}" type="datetimeFigureOut">
               <a:rPr lang="en-US" smtClean="0"/>
-              <a:t>01/06/2016</a:t>
+              <a:t>6/2/2016</a:t>
             </a:fld>
             <a:endParaRPr lang="en-US"/>
           </a:p>
@@ -772,6 +773,95 @@
     <p:extLst>
       <p:ext uri="{BB962C8B-B14F-4D97-AF65-F5344CB8AC3E}">
         <p14:creationId xmlns:p14="http://schemas.microsoft.com/office/powerpoint/2010/main" val="337535819"/>
+      </p:ext>
+    </p:extLst>
+  </p:cSld>
+  <p:clrMapOvr>
+    <a:masterClrMapping/>
+  </p:clrMapOvr>
+</p:notes>
+</file>
+
+<file path=ppt/notesSlides/notesSlide10.xml><?xml version="1.0" encoding="utf-8"?>
+<p:notes xmlns:a="http://schemas.openxmlformats.org/drawingml/2006/main" xmlns:r="http://schemas.openxmlformats.org/officeDocument/2006/relationships" xmlns:p="http://schemas.openxmlformats.org/presentationml/2006/main">
+  <p:cSld>
+    <p:spTree>
+      <p:nvGrpSpPr>
+        <p:cNvPr id="1" name=""/>
+        <p:cNvGrpSpPr/>
+        <p:nvPr/>
+      </p:nvGrpSpPr>
+      <p:grpSpPr>
+        <a:xfrm>
+          <a:off x="0" y="0"/>
+          <a:ext cx="0" cy="0"/>
+          <a:chOff x="0" y="0"/>
+          <a:chExt cx="0" cy="0"/>
+        </a:xfrm>
+      </p:grpSpPr>
+      <p:sp>
+        <p:nvSpPr>
+          <p:cNvPr id="2" name="Slide Image Placeholder 1"/>
+          <p:cNvSpPr>
+            <a:spLocks noGrp="1" noRot="1" noChangeAspect="1"/>
+          </p:cNvSpPr>
+          <p:nvPr>
+            <p:ph type="sldImg"/>
+          </p:nvPr>
+        </p:nvSpPr>
+        <p:spPr>
+          <a:xfrm>
+            <a:off x="788988" y="609600"/>
+            <a:ext cx="5280025" cy="2971800"/>
+          </a:xfrm>
+        </p:spPr>
+      </p:sp>
+      <p:sp>
+        <p:nvSpPr>
+          <p:cNvPr id="3" name="Notes Placeholder 2"/>
+          <p:cNvSpPr>
+            <a:spLocks noGrp="1"/>
+          </p:cNvSpPr>
+          <p:nvPr>
+            <p:ph type="body" idx="1"/>
+          </p:nvPr>
+        </p:nvSpPr>
+        <p:spPr/>
+        <p:txBody>
+          <a:bodyPr/>
+          <a:lstStyle/>
+          <a:p>
+            <a:endParaRPr lang="en-US"/>
+          </a:p>
+        </p:txBody>
+      </p:sp>
+      <p:sp>
+        <p:nvSpPr>
+          <p:cNvPr id="4" name="Slide Number Placeholder 3"/>
+          <p:cNvSpPr>
+            <a:spLocks noGrp="1"/>
+          </p:cNvSpPr>
+          <p:nvPr>
+            <p:ph type="sldNum" sz="quarter" idx="10"/>
+          </p:nvPr>
+        </p:nvSpPr>
+        <p:spPr/>
+        <p:txBody>
+          <a:bodyPr/>
+          <a:lstStyle/>
+          <a:p>
+            <a:fld id="{9F4FBC3A-A12C-40F9-BB8D-BC30C7901396}" type="slidenum">
+              <a:rPr lang="en-US" smtClean="0"/>
+              <a:t>11</a:t>
+            </a:fld>
+            <a:endParaRPr lang="en-US"/>
+          </a:p>
+        </p:txBody>
+      </p:sp>
+    </p:spTree>
+    <p:extLst>
+      <p:ext uri="{BB962C8B-B14F-4D97-AF65-F5344CB8AC3E}">
+        <p14:creationId xmlns:p14="http://schemas.microsoft.com/office/powerpoint/2010/main" val="3399940987"/>
       </p:ext>
     </p:extLst>
   </p:cSld>
@@ -1981,8 +2071,8 @@
               <a:noFill/>
             </a:ln>
             <a:extLst>
-              <a:ext uri="{91240B29-F687-4f45-9708-019B960494DF}">
-                <a14:hiddenLine xmlns:a14="http://schemas.microsoft.com/office/drawing/2010/main" xmlns="" w="9525">
+              <a:ext uri="{91240B29-F687-4F45-9708-019B960494DF}">
+                <a14:hiddenLine xmlns:a14="http://schemas.microsoft.com/office/drawing/2010/main" w="9525">
                   <a:solidFill>
                     <a:srgbClr val="000000"/>
                   </a:solidFill>
@@ -2153,8 +2243,8 @@
               <a:noFill/>
             </a:ln>
             <a:extLst>
-              <a:ext uri="{91240B29-F687-4f45-9708-019B960494DF}">
-                <a14:hiddenLine xmlns:a14="http://schemas.microsoft.com/office/drawing/2010/main" xmlns="" w="9525">
+              <a:ext uri="{91240B29-F687-4F45-9708-019B960494DF}">
+                <a14:hiddenLine xmlns:a14="http://schemas.microsoft.com/office/drawing/2010/main" w="9525">
                   <a:solidFill>
                     <a:srgbClr val="000000"/>
                   </a:solidFill>
@@ -2373,8 +2463,8 @@
               <a:noFill/>
             </a:ln>
             <a:extLst>
-              <a:ext uri="{91240B29-F687-4f45-9708-019B960494DF}">
-                <a14:hiddenLine xmlns:a14="http://schemas.microsoft.com/office/drawing/2010/main" xmlns="" w="9525">
+              <a:ext uri="{91240B29-F687-4F45-9708-019B960494DF}">
+                <a14:hiddenLine xmlns:a14="http://schemas.microsoft.com/office/drawing/2010/main" w="9525">
                   <a:solidFill>
                     <a:srgbClr val="000000"/>
                   </a:solidFill>
@@ -2684,8 +2774,8 @@
               <a:noFill/>
             </a:ln>
             <a:extLst>
-              <a:ext uri="{91240B29-F687-4f45-9708-019B960494DF}">
-                <a14:hiddenLine xmlns:a14="http://schemas.microsoft.com/office/drawing/2010/main" xmlns="" w="9525">
+              <a:ext uri="{91240B29-F687-4F45-9708-019B960494DF}">
+                <a14:hiddenLine xmlns:a14="http://schemas.microsoft.com/office/drawing/2010/main" w="9525">
                   <a:solidFill>
                     <a:srgbClr val="000000"/>
                   </a:solidFill>
@@ -3066,8 +3156,8 @@
               <a:noFill/>
             </a:ln>
             <a:extLst>
-              <a:ext uri="{91240B29-F687-4f45-9708-019B960494DF}">
-                <a14:hiddenLine xmlns:a14="http://schemas.microsoft.com/office/drawing/2010/main" xmlns="" w="9525">
+              <a:ext uri="{91240B29-F687-4F45-9708-019B960494DF}">
+                <a14:hiddenLine xmlns:a14="http://schemas.microsoft.com/office/drawing/2010/main" w="9525">
                   <a:solidFill>
                     <a:srgbClr val="000000"/>
                   </a:solidFill>
@@ -3257,8 +3347,8 @@
               <a:noFill/>
             </a:ln>
             <a:extLst>
-              <a:ext uri="{91240B29-F687-4f45-9708-019B960494DF}">
-                <a14:hiddenLine xmlns:a14="http://schemas.microsoft.com/office/drawing/2010/main" xmlns="" w="9525">
+              <a:ext uri="{91240B29-F687-4F45-9708-019B960494DF}">
+                <a14:hiddenLine xmlns:a14="http://schemas.microsoft.com/office/drawing/2010/main" w="9525">
                   <a:solidFill>
                     <a:srgbClr val="000000"/>
                   </a:solidFill>
@@ -3546,8 +3636,8 @@
               <a:noFill/>
             </a:ln>
             <a:extLst>
-              <a:ext uri="{91240B29-F687-4f45-9708-019B960494DF}">
-                <a14:hiddenLine xmlns:a14="http://schemas.microsoft.com/office/drawing/2010/main" xmlns="" w="9525">
+              <a:ext uri="{91240B29-F687-4F45-9708-019B960494DF}">
+                <a14:hiddenLine xmlns:a14="http://schemas.microsoft.com/office/drawing/2010/main" w="9525">
                   <a:solidFill>
                     <a:srgbClr val="000000"/>
                   </a:solidFill>
@@ -4250,8 +4340,8 @@
               <a:noFill/>
             </a:ln>
             <a:extLst>
-              <a:ext uri="{91240B29-F687-4f45-9708-019B960494DF}">
-                <a14:hiddenLine xmlns:a14="http://schemas.microsoft.com/office/drawing/2010/main" xmlns="" w="9525">
+              <a:ext uri="{91240B29-F687-4F45-9708-019B960494DF}">
+                <a14:hiddenLine xmlns:a14="http://schemas.microsoft.com/office/drawing/2010/main" w="9525">
                   <a:solidFill>
                     <a:srgbClr val="000000"/>
                   </a:solidFill>
@@ -4424,8 +4514,8 @@
               <a:noFill/>
             </a:ln>
             <a:extLst>
-              <a:ext uri="{91240B29-F687-4f45-9708-019B960494DF}">
-                <a14:hiddenLine xmlns:a14="http://schemas.microsoft.com/office/drawing/2010/main" xmlns="" w="9525">
+              <a:ext uri="{91240B29-F687-4F45-9708-019B960494DF}">
+                <a14:hiddenLine xmlns:a14="http://schemas.microsoft.com/office/drawing/2010/main" w="9525">
                   <a:solidFill>
                     <a:srgbClr val="000000"/>
                   </a:solidFill>
@@ -4646,8 +4736,8 @@
               <a:noFill/>
             </a:ln>
             <a:extLst>
-              <a:ext uri="{91240B29-F687-4f45-9708-019B960494DF}">
-                <a14:hiddenLine xmlns:a14="http://schemas.microsoft.com/office/drawing/2010/main" xmlns="" w="9525">
+              <a:ext uri="{91240B29-F687-4F45-9708-019B960494DF}">
+                <a14:hiddenLine xmlns:a14="http://schemas.microsoft.com/office/drawing/2010/main" w="9525">
                   <a:solidFill>
                     <a:srgbClr val="000000"/>
                   </a:solidFill>
@@ -4959,8 +5049,8 @@
               <a:noFill/>
             </a:ln>
             <a:extLst>
-              <a:ext uri="{91240B29-F687-4f45-9708-019B960494DF}">
-                <a14:hiddenLine xmlns:a14="http://schemas.microsoft.com/office/drawing/2010/main" xmlns="" w="9525">
+              <a:ext uri="{91240B29-F687-4F45-9708-019B960494DF}">
+                <a14:hiddenLine xmlns:a14="http://schemas.microsoft.com/office/drawing/2010/main" w="9525">
                   <a:solidFill>
                     <a:srgbClr val="000000"/>
                   </a:solidFill>
@@ -5343,8 +5433,8 @@
               <a:noFill/>
             </a:ln>
             <a:extLst>
-              <a:ext uri="{91240B29-F687-4f45-9708-019B960494DF}">
-                <a14:hiddenLine xmlns:a14="http://schemas.microsoft.com/office/drawing/2010/main" xmlns="" w="9525">
+              <a:ext uri="{91240B29-F687-4F45-9708-019B960494DF}">
+                <a14:hiddenLine xmlns:a14="http://schemas.microsoft.com/office/drawing/2010/main" w="9525">
                   <a:solidFill>
                     <a:srgbClr val="000000"/>
                   </a:solidFill>
@@ -5536,8 +5626,8 @@
               <a:noFill/>
             </a:ln>
             <a:extLst>
-              <a:ext uri="{91240B29-F687-4f45-9708-019B960494DF}">
-                <a14:hiddenLine xmlns:a14="http://schemas.microsoft.com/office/drawing/2010/main" xmlns="" w="9525">
+              <a:ext uri="{91240B29-F687-4F45-9708-019B960494DF}">
+                <a14:hiddenLine xmlns:a14="http://schemas.microsoft.com/office/drawing/2010/main" w="9525">
                   <a:solidFill>
                     <a:srgbClr val="000000"/>
                   </a:solidFill>
@@ -5827,8 +5917,8 @@
               <a:noFill/>
             </a:ln>
             <a:extLst>
-              <a:ext uri="{91240B29-F687-4f45-9708-019B960494DF}">
-                <a14:hiddenLine xmlns:a14="http://schemas.microsoft.com/office/drawing/2010/main" xmlns="" w="9525">
+              <a:ext uri="{91240B29-F687-4F45-9708-019B960494DF}">
+                <a14:hiddenLine xmlns:a14="http://schemas.microsoft.com/office/drawing/2010/main" w="9525">
                   <a:solidFill>
                     <a:srgbClr val="000000"/>
                   </a:solidFill>
@@ -9630,8 +9720,8 @@
               <a:noFill/>
             </a:ln>
             <a:extLst>
-              <a:ext uri="{91240B29-F687-4f45-9708-019B960494DF}">
-                <a14:hiddenLine xmlns:a14="http://schemas.microsoft.com/office/drawing/2010/main" xmlns="" w="9525">
+              <a:ext uri="{91240B29-F687-4F45-9708-019B960494DF}">
+                <a14:hiddenLine xmlns:a14="http://schemas.microsoft.com/office/drawing/2010/main" w="9525">
                   <a:solidFill>
                     <a:srgbClr val="000000"/>
                   </a:solidFill>
@@ -9802,8 +9892,8 @@
               <a:noFill/>
             </a:ln>
             <a:extLst>
-              <a:ext uri="{91240B29-F687-4f45-9708-019B960494DF}">
-                <a14:hiddenLine xmlns:a14="http://schemas.microsoft.com/office/drawing/2010/main" xmlns="" w="9525">
+              <a:ext uri="{91240B29-F687-4F45-9708-019B960494DF}">
+                <a14:hiddenLine xmlns:a14="http://schemas.microsoft.com/office/drawing/2010/main" w="9525">
                   <a:solidFill>
                     <a:srgbClr val="000000"/>
                   </a:solidFill>
@@ -10022,8 +10112,8 @@
               <a:noFill/>
             </a:ln>
             <a:extLst>
-              <a:ext uri="{91240B29-F687-4f45-9708-019B960494DF}">
-                <a14:hiddenLine xmlns:a14="http://schemas.microsoft.com/office/drawing/2010/main" xmlns="" w="9525">
+              <a:ext uri="{91240B29-F687-4F45-9708-019B960494DF}">
+                <a14:hiddenLine xmlns:a14="http://schemas.microsoft.com/office/drawing/2010/main" w="9525">
                   <a:solidFill>
                     <a:srgbClr val="000000"/>
                   </a:solidFill>
@@ -10333,8 +10423,8 @@
               <a:noFill/>
             </a:ln>
             <a:extLst>
-              <a:ext uri="{91240B29-F687-4f45-9708-019B960494DF}">
-                <a14:hiddenLine xmlns:a14="http://schemas.microsoft.com/office/drawing/2010/main" xmlns="" w="9525">
+              <a:ext uri="{91240B29-F687-4F45-9708-019B960494DF}">
+                <a14:hiddenLine xmlns:a14="http://schemas.microsoft.com/office/drawing/2010/main" w="9525">
                   <a:solidFill>
                     <a:srgbClr val="000000"/>
                   </a:solidFill>
@@ -10715,8 +10805,8 @@
               <a:noFill/>
             </a:ln>
             <a:extLst>
-              <a:ext uri="{91240B29-F687-4f45-9708-019B960494DF}">
-                <a14:hiddenLine xmlns:a14="http://schemas.microsoft.com/office/drawing/2010/main" xmlns="" w="9525">
+              <a:ext uri="{91240B29-F687-4F45-9708-019B960494DF}">
+                <a14:hiddenLine xmlns:a14="http://schemas.microsoft.com/office/drawing/2010/main" w="9525">
                   <a:solidFill>
                     <a:srgbClr val="000000"/>
                   </a:solidFill>
@@ -10906,8 +10996,8 @@
               <a:noFill/>
             </a:ln>
             <a:extLst>
-              <a:ext uri="{91240B29-F687-4f45-9708-019B960494DF}">
-                <a14:hiddenLine xmlns:a14="http://schemas.microsoft.com/office/drawing/2010/main" xmlns="" w="9525">
+              <a:ext uri="{91240B29-F687-4F45-9708-019B960494DF}">
+                <a14:hiddenLine xmlns:a14="http://schemas.microsoft.com/office/drawing/2010/main" w="9525">
                   <a:solidFill>
                     <a:srgbClr val="000000"/>
                   </a:solidFill>
@@ -11195,8 +11285,8 @@
               <a:noFill/>
             </a:ln>
             <a:extLst>
-              <a:ext uri="{91240B29-F687-4f45-9708-019B960494DF}">
-                <a14:hiddenLine xmlns:a14="http://schemas.microsoft.com/office/drawing/2010/main" xmlns="" w="9525">
+              <a:ext uri="{91240B29-F687-4F45-9708-019B960494DF}">
+                <a14:hiddenLine xmlns:a14="http://schemas.microsoft.com/office/drawing/2010/main" w="9525">
                   <a:solidFill>
                     <a:srgbClr val="000000"/>
                   </a:solidFill>
@@ -11815,8 +11905,8 @@
               <a:noFill/>
             </a:ln>
             <a:extLst>
-              <a:ext uri="{91240B29-F687-4f45-9708-019B960494DF}">
-                <a14:hiddenLine xmlns:a14="http://schemas.microsoft.com/office/drawing/2010/main" xmlns="" w="9525">
+              <a:ext uri="{91240B29-F687-4F45-9708-019B960494DF}">
+                <a14:hiddenLine xmlns:a14="http://schemas.microsoft.com/office/drawing/2010/main" w="9525">
                   <a:solidFill>
                     <a:srgbClr val="000000"/>
                   </a:solidFill>
@@ -11989,8 +12079,8 @@
               <a:noFill/>
             </a:ln>
             <a:extLst>
-              <a:ext uri="{91240B29-F687-4f45-9708-019B960494DF}">
-                <a14:hiddenLine xmlns:a14="http://schemas.microsoft.com/office/drawing/2010/main" xmlns="" w="9525">
+              <a:ext uri="{91240B29-F687-4F45-9708-019B960494DF}">
+                <a14:hiddenLine xmlns:a14="http://schemas.microsoft.com/office/drawing/2010/main" w="9525">
                   <a:solidFill>
                     <a:srgbClr val="000000"/>
                   </a:solidFill>
@@ -12211,8 +12301,8 @@
               <a:noFill/>
             </a:ln>
             <a:extLst>
-              <a:ext uri="{91240B29-F687-4f45-9708-019B960494DF}">
-                <a14:hiddenLine xmlns:a14="http://schemas.microsoft.com/office/drawing/2010/main" xmlns="" w="9525">
+              <a:ext uri="{91240B29-F687-4F45-9708-019B960494DF}">
+                <a14:hiddenLine xmlns:a14="http://schemas.microsoft.com/office/drawing/2010/main" w="9525">
                   <a:solidFill>
                     <a:srgbClr val="000000"/>
                   </a:solidFill>
@@ -12524,8 +12614,8 @@
               <a:noFill/>
             </a:ln>
             <a:extLst>
-              <a:ext uri="{91240B29-F687-4f45-9708-019B960494DF}">
-                <a14:hiddenLine xmlns:a14="http://schemas.microsoft.com/office/drawing/2010/main" xmlns="" w="9525">
+              <a:ext uri="{91240B29-F687-4F45-9708-019B960494DF}">
+                <a14:hiddenLine xmlns:a14="http://schemas.microsoft.com/office/drawing/2010/main" w="9525">
                   <a:solidFill>
                     <a:srgbClr val="000000"/>
                   </a:solidFill>
@@ -12908,8 +12998,8 @@
               <a:noFill/>
             </a:ln>
             <a:extLst>
-              <a:ext uri="{91240B29-F687-4f45-9708-019B960494DF}">
-                <a14:hiddenLine xmlns:a14="http://schemas.microsoft.com/office/drawing/2010/main" xmlns="" w="9525">
+              <a:ext uri="{91240B29-F687-4F45-9708-019B960494DF}">
+                <a14:hiddenLine xmlns:a14="http://schemas.microsoft.com/office/drawing/2010/main" w="9525">
                   <a:solidFill>
                     <a:srgbClr val="000000"/>
                   </a:solidFill>
@@ -13101,8 +13191,8 @@
               <a:noFill/>
             </a:ln>
             <a:extLst>
-              <a:ext uri="{91240B29-F687-4f45-9708-019B960494DF}">
-                <a14:hiddenLine xmlns:a14="http://schemas.microsoft.com/office/drawing/2010/main" xmlns="" w="9525">
+              <a:ext uri="{91240B29-F687-4F45-9708-019B960494DF}">
+                <a14:hiddenLine xmlns:a14="http://schemas.microsoft.com/office/drawing/2010/main" w="9525">
                   <a:solidFill>
                     <a:srgbClr val="000000"/>
                   </a:solidFill>
@@ -13392,8 +13482,8 @@
               <a:noFill/>
             </a:ln>
             <a:extLst>
-              <a:ext uri="{91240B29-F687-4f45-9708-019B960494DF}">
-                <a14:hiddenLine xmlns:a14="http://schemas.microsoft.com/office/drawing/2010/main" xmlns="" w="9525">
+              <a:ext uri="{91240B29-F687-4F45-9708-019B960494DF}">
+                <a14:hiddenLine xmlns:a14="http://schemas.microsoft.com/office/drawing/2010/main" w="9525">
                   <a:solidFill>
                     <a:srgbClr val="000000"/>
                   </a:solidFill>
@@ -13781,8 +13871,8 @@
               <a:noFill/>
             </a:ln>
             <a:extLst>
-              <a:ext uri="{91240B29-F687-4f45-9708-019B960494DF}">
-                <a14:hiddenLine xmlns:a14="http://schemas.microsoft.com/office/drawing/2010/main" xmlns="" w="9525">
+              <a:ext uri="{91240B29-F687-4F45-9708-019B960494DF}">
+                <a14:hiddenLine xmlns:a14="http://schemas.microsoft.com/office/drawing/2010/main" w="9525">
                   <a:solidFill>
                     <a:srgbClr val="000000"/>
                   </a:solidFill>
@@ -13953,8 +14043,8 @@
               <a:noFill/>
             </a:ln>
             <a:extLst>
-              <a:ext uri="{91240B29-F687-4f45-9708-019B960494DF}">
-                <a14:hiddenLine xmlns:a14="http://schemas.microsoft.com/office/drawing/2010/main" xmlns="" w="9525">
+              <a:ext uri="{91240B29-F687-4F45-9708-019B960494DF}">
+                <a14:hiddenLine xmlns:a14="http://schemas.microsoft.com/office/drawing/2010/main" w="9525">
                   <a:solidFill>
                     <a:srgbClr val="000000"/>
                   </a:solidFill>
@@ -14173,8 +14263,8 @@
               <a:noFill/>
             </a:ln>
             <a:extLst>
-              <a:ext uri="{91240B29-F687-4f45-9708-019B960494DF}">
-                <a14:hiddenLine xmlns:a14="http://schemas.microsoft.com/office/drawing/2010/main" xmlns="" w="9525">
+              <a:ext uri="{91240B29-F687-4F45-9708-019B960494DF}">
+                <a14:hiddenLine xmlns:a14="http://schemas.microsoft.com/office/drawing/2010/main" w="9525">
                   <a:solidFill>
                     <a:srgbClr val="000000"/>
                   </a:solidFill>
@@ -14484,8 +14574,8 @@
               <a:noFill/>
             </a:ln>
             <a:extLst>
-              <a:ext uri="{91240B29-F687-4f45-9708-019B960494DF}">
-                <a14:hiddenLine xmlns:a14="http://schemas.microsoft.com/office/drawing/2010/main" xmlns="" w="9525">
+              <a:ext uri="{91240B29-F687-4F45-9708-019B960494DF}">
+                <a14:hiddenLine xmlns:a14="http://schemas.microsoft.com/office/drawing/2010/main" w="9525">
                   <a:solidFill>
                     <a:srgbClr val="000000"/>
                   </a:solidFill>
@@ -14866,8 +14956,8 @@
               <a:noFill/>
             </a:ln>
             <a:extLst>
-              <a:ext uri="{91240B29-F687-4f45-9708-019B960494DF}">
-                <a14:hiddenLine xmlns:a14="http://schemas.microsoft.com/office/drawing/2010/main" xmlns="" w="9525">
+              <a:ext uri="{91240B29-F687-4F45-9708-019B960494DF}">
+                <a14:hiddenLine xmlns:a14="http://schemas.microsoft.com/office/drawing/2010/main" w="9525">
                   <a:solidFill>
                     <a:srgbClr val="000000"/>
                   </a:solidFill>
@@ -15057,8 +15147,8 @@
               <a:noFill/>
             </a:ln>
             <a:extLst>
-              <a:ext uri="{91240B29-F687-4f45-9708-019B960494DF}">
-                <a14:hiddenLine xmlns:a14="http://schemas.microsoft.com/office/drawing/2010/main" xmlns="" w="9525">
+              <a:ext uri="{91240B29-F687-4F45-9708-019B960494DF}">
+                <a14:hiddenLine xmlns:a14="http://schemas.microsoft.com/office/drawing/2010/main" w="9525">
                   <a:solidFill>
                     <a:srgbClr val="000000"/>
                   </a:solidFill>
@@ -15346,8 +15436,8 @@
               <a:noFill/>
             </a:ln>
             <a:extLst>
-              <a:ext uri="{91240B29-F687-4f45-9708-019B960494DF}">
-                <a14:hiddenLine xmlns:a14="http://schemas.microsoft.com/office/drawing/2010/main" xmlns="" w="9525">
+              <a:ext uri="{91240B29-F687-4F45-9708-019B960494DF}">
+                <a14:hiddenLine xmlns:a14="http://schemas.microsoft.com/office/drawing/2010/main" w="9525">
                   <a:solidFill>
                     <a:srgbClr val="000000"/>
                   </a:solidFill>
@@ -16035,8 +16125,8 @@
               <a:noFill/>
             </a:ln>
             <a:extLst>
-              <a:ext uri="{91240B29-F687-4f45-9708-019B960494DF}">
-                <a14:hiddenLine xmlns:a14="http://schemas.microsoft.com/office/drawing/2010/main" xmlns="" w="9525">
+              <a:ext uri="{91240B29-F687-4F45-9708-019B960494DF}">
+                <a14:hiddenLine xmlns:a14="http://schemas.microsoft.com/office/drawing/2010/main" w="9525">
                   <a:solidFill>
                     <a:srgbClr val="000000"/>
                   </a:solidFill>
@@ -16209,8 +16299,8 @@
               <a:noFill/>
             </a:ln>
             <a:extLst>
-              <a:ext uri="{91240B29-F687-4f45-9708-019B960494DF}">
-                <a14:hiddenLine xmlns:a14="http://schemas.microsoft.com/office/drawing/2010/main" xmlns="" w="9525">
+              <a:ext uri="{91240B29-F687-4F45-9708-019B960494DF}">
+                <a14:hiddenLine xmlns:a14="http://schemas.microsoft.com/office/drawing/2010/main" w="9525">
                   <a:solidFill>
                     <a:srgbClr val="000000"/>
                   </a:solidFill>
@@ -16431,8 +16521,8 @@
               <a:noFill/>
             </a:ln>
             <a:extLst>
-              <a:ext uri="{91240B29-F687-4f45-9708-019B960494DF}">
-                <a14:hiddenLine xmlns:a14="http://schemas.microsoft.com/office/drawing/2010/main" xmlns="" w="9525">
+              <a:ext uri="{91240B29-F687-4F45-9708-019B960494DF}">
+                <a14:hiddenLine xmlns:a14="http://schemas.microsoft.com/office/drawing/2010/main" w="9525">
                   <a:solidFill>
                     <a:srgbClr val="000000"/>
                   </a:solidFill>
@@ -16744,8 +16834,8 @@
               <a:noFill/>
             </a:ln>
             <a:extLst>
-              <a:ext uri="{91240B29-F687-4f45-9708-019B960494DF}">
-                <a14:hiddenLine xmlns:a14="http://schemas.microsoft.com/office/drawing/2010/main" xmlns="" w="9525">
+              <a:ext uri="{91240B29-F687-4F45-9708-019B960494DF}">
+                <a14:hiddenLine xmlns:a14="http://schemas.microsoft.com/office/drawing/2010/main" w="9525">
                   <a:solidFill>
                     <a:srgbClr val="000000"/>
                   </a:solidFill>
@@ -17128,8 +17218,8 @@
               <a:noFill/>
             </a:ln>
             <a:extLst>
-              <a:ext uri="{91240B29-F687-4f45-9708-019B960494DF}">
-                <a14:hiddenLine xmlns:a14="http://schemas.microsoft.com/office/drawing/2010/main" xmlns="" w="9525">
+              <a:ext uri="{91240B29-F687-4F45-9708-019B960494DF}">
+                <a14:hiddenLine xmlns:a14="http://schemas.microsoft.com/office/drawing/2010/main" w="9525">
                   <a:solidFill>
                     <a:srgbClr val="000000"/>
                   </a:solidFill>
@@ -17321,8 +17411,8 @@
               <a:noFill/>
             </a:ln>
             <a:extLst>
-              <a:ext uri="{91240B29-F687-4f45-9708-019B960494DF}">
-                <a14:hiddenLine xmlns:a14="http://schemas.microsoft.com/office/drawing/2010/main" xmlns="" w="9525">
+              <a:ext uri="{91240B29-F687-4F45-9708-019B960494DF}">
+                <a14:hiddenLine xmlns:a14="http://schemas.microsoft.com/office/drawing/2010/main" w="9525">
                   <a:solidFill>
                     <a:srgbClr val="000000"/>
                   </a:solidFill>
@@ -17612,8 +17702,8 @@
               <a:noFill/>
             </a:ln>
             <a:extLst>
-              <a:ext uri="{91240B29-F687-4f45-9708-019B960494DF}">
-                <a14:hiddenLine xmlns:a14="http://schemas.microsoft.com/office/drawing/2010/main" xmlns="" w="9525">
+              <a:ext uri="{91240B29-F687-4F45-9708-019B960494DF}">
+                <a14:hiddenLine xmlns:a14="http://schemas.microsoft.com/office/drawing/2010/main" w="9525">
                   <a:solidFill>
                     <a:srgbClr val="000000"/>
                   </a:solidFill>
@@ -18257,8 +18347,8 @@
               <a:noFill/>
             </a:ln>
             <a:extLst>
-              <a:ext uri="{91240B29-F687-4f45-9708-019B960494DF}">
-                <a14:hiddenLine xmlns:a14="http://schemas.microsoft.com/office/drawing/2010/main" xmlns="" w="9525">
+              <a:ext uri="{91240B29-F687-4F45-9708-019B960494DF}">
+                <a14:hiddenLine xmlns:a14="http://schemas.microsoft.com/office/drawing/2010/main" w="9525">
                   <a:solidFill>
                     <a:srgbClr val="000000"/>
                   </a:solidFill>
@@ -18429,8 +18519,8 @@
               <a:noFill/>
             </a:ln>
             <a:extLst>
-              <a:ext uri="{91240B29-F687-4f45-9708-019B960494DF}">
-                <a14:hiddenLine xmlns:a14="http://schemas.microsoft.com/office/drawing/2010/main" xmlns="" w="9525">
+              <a:ext uri="{91240B29-F687-4F45-9708-019B960494DF}">
+                <a14:hiddenLine xmlns:a14="http://schemas.microsoft.com/office/drawing/2010/main" w="9525">
                   <a:solidFill>
                     <a:srgbClr val="000000"/>
                   </a:solidFill>
@@ -18649,8 +18739,8 @@
               <a:noFill/>
             </a:ln>
             <a:extLst>
-              <a:ext uri="{91240B29-F687-4f45-9708-019B960494DF}">
-                <a14:hiddenLine xmlns:a14="http://schemas.microsoft.com/office/drawing/2010/main" xmlns="" w="9525">
+              <a:ext uri="{91240B29-F687-4F45-9708-019B960494DF}">
+                <a14:hiddenLine xmlns:a14="http://schemas.microsoft.com/office/drawing/2010/main" w="9525">
                   <a:solidFill>
                     <a:srgbClr val="000000"/>
                   </a:solidFill>
@@ -18960,8 +19050,8 @@
               <a:noFill/>
             </a:ln>
             <a:extLst>
-              <a:ext uri="{91240B29-F687-4f45-9708-019B960494DF}">
-                <a14:hiddenLine xmlns:a14="http://schemas.microsoft.com/office/drawing/2010/main" xmlns="" w="9525">
+              <a:ext uri="{91240B29-F687-4F45-9708-019B960494DF}">
+                <a14:hiddenLine xmlns:a14="http://schemas.microsoft.com/office/drawing/2010/main" w="9525">
                   <a:solidFill>
                     <a:srgbClr val="000000"/>
                   </a:solidFill>
@@ -19342,8 +19432,8 @@
               <a:noFill/>
             </a:ln>
             <a:extLst>
-              <a:ext uri="{91240B29-F687-4f45-9708-019B960494DF}">
-                <a14:hiddenLine xmlns:a14="http://schemas.microsoft.com/office/drawing/2010/main" xmlns="" w="9525">
+              <a:ext uri="{91240B29-F687-4F45-9708-019B960494DF}">
+                <a14:hiddenLine xmlns:a14="http://schemas.microsoft.com/office/drawing/2010/main" w="9525">
                   <a:solidFill>
                     <a:srgbClr val="000000"/>
                   </a:solidFill>
@@ -19533,8 +19623,8 @@
               <a:noFill/>
             </a:ln>
             <a:extLst>
-              <a:ext uri="{91240B29-F687-4f45-9708-019B960494DF}">
-                <a14:hiddenLine xmlns:a14="http://schemas.microsoft.com/office/drawing/2010/main" xmlns="" w="9525">
+              <a:ext uri="{91240B29-F687-4F45-9708-019B960494DF}">
+                <a14:hiddenLine xmlns:a14="http://schemas.microsoft.com/office/drawing/2010/main" w="9525">
                   <a:solidFill>
                     <a:srgbClr val="000000"/>
                   </a:solidFill>
@@ -19822,8 +19912,8 @@
               <a:noFill/>
             </a:ln>
             <a:extLst>
-              <a:ext uri="{91240B29-F687-4f45-9708-019B960494DF}">
-                <a14:hiddenLine xmlns:a14="http://schemas.microsoft.com/office/drawing/2010/main" xmlns="" w="9525">
+              <a:ext uri="{91240B29-F687-4F45-9708-019B960494DF}">
+                <a14:hiddenLine xmlns:a14="http://schemas.microsoft.com/office/drawing/2010/main" w="9525">
                   <a:solidFill>
                     <a:srgbClr val="000000"/>
                   </a:solidFill>
@@ -20473,8 +20563,8 @@
               <a:noFill/>
             </a:ln>
             <a:extLst>
-              <a:ext uri="{91240B29-F687-4f45-9708-019B960494DF}">
-                <a14:hiddenLine xmlns:a14="http://schemas.microsoft.com/office/drawing/2010/main" xmlns="" w="9525">
+              <a:ext uri="{91240B29-F687-4F45-9708-019B960494DF}">
+                <a14:hiddenLine xmlns:a14="http://schemas.microsoft.com/office/drawing/2010/main" w="9525">
                   <a:solidFill>
                     <a:srgbClr val="000000"/>
                   </a:solidFill>
@@ -20647,8 +20737,8 @@
               <a:noFill/>
             </a:ln>
             <a:extLst>
-              <a:ext uri="{91240B29-F687-4f45-9708-019B960494DF}">
-                <a14:hiddenLine xmlns:a14="http://schemas.microsoft.com/office/drawing/2010/main" xmlns="" w="9525">
+              <a:ext uri="{91240B29-F687-4F45-9708-019B960494DF}">
+                <a14:hiddenLine xmlns:a14="http://schemas.microsoft.com/office/drawing/2010/main" w="9525">
                   <a:solidFill>
                     <a:srgbClr val="000000"/>
                   </a:solidFill>
@@ -20869,8 +20959,8 @@
               <a:noFill/>
             </a:ln>
             <a:extLst>
-              <a:ext uri="{91240B29-F687-4f45-9708-019B960494DF}">
-                <a14:hiddenLine xmlns:a14="http://schemas.microsoft.com/office/drawing/2010/main" xmlns="" w="9525">
+              <a:ext uri="{91240B29-F687-4F45-9708-019B960494DF}">
+                <a14:hiddenLine xmlns:a14="http://schemas.microsoft.com/office/drawing/2010/main" w="9525">
                   <a:solidFill>
                     <a:srgbClr val="000000"/>
                   </a:solidFill>
@@ -21182,8 +21272,8 @@
               <a:noFill/>
             </a:ln>
             <a:extLst>
-              <a:ext uri="{91240B29-F687-4f45-9708-019B960494DF}">
-                <a14:hiddenLine xmlns:a14="http://schemas.microsoft.com/office/drawing/2010/main" xmlns="" w="9525">
+              <a:ext uri="{91240B29-F687-4F45-9708-019B960494DF}">
+                <a14:hiddenLine xmlns:a14="http://schemas.microsoft.com/office/drawing/2010/main" w="9525">
                   <a:solidFill>
                     <a:srgbClr val="000000"/>
                   </a:solidFill>
@@ -21566,8 +21656,8 @@
               <a:noFill/>
             </a:ln>
             <a:extLst>
-              <a:ext uri="{91240B29-F687-4f45-9708-019B960494DF}">
-                <a14:hiddenLine xmlns:a14="http://schemas.microsoft.com/office/drawing/2010/main" xmlns="" w="9525">
+              <a:ext uri="{91240B29-F687-4F45-9708-019B960494DF}">
+                <a14:hiddenLine xmlns:a14="http://schemas.microsoft.com/office/drawing/2010/main" w="9525">
                   <a:solidFill>
                     <a:srgbClr val="000000"/>
                   </a:solidFill>
@@ -21759,8 +21849,8 @@
               <a:noFill/>
             </a:ln>
             <a:extLst>
-              <a:ext uri="{91240B29-F687-4f45-9708-019B960494DF}">
-                <a14:hiddenLine xmlns:a14="http://schemas.microsoft.com/office/drawing/2010/main" xmlns="" w="9525">
+              <a:ext uri="{91240B29-F687-4F45-9708-019B960494DF}">
+                <a14:hiddenLine xmlns:a14="http://schemas.microsoft.com/office/drawing/2010/main" w="9525">
                   <a:solidFill>
                     <a:srgbClr val="000000"/>
                   </a:solidFill>
@@ -22050,8 +22140,8 @@
               <a:noFill/>
             </a:ln>
             <a:extLst>
-              <a:ext uri="{91240B29-F687-4f45-9708-019B960494DF}">
-                <a14:hiddenLine xmlns:a14="http://schemas.microsoft.com/office/drawing/2010/main" xmlns="" w="9525">
+              <a:ext uri="{91240B29-F687-4F45-9708-019B960494DF}">
+                <a14:hiddenLine xmlns:a14="http://schemas.microsoft.com/office/drawing/2010/main" w="9525">
                   <a:solidFill>
                     <a:srgbClr val="000000"/>
                   </a:solidFill>
@@ -23602,8 +23692,8 @@
               <a:noFill/>
             </a:ln>
             <a:extLst>
-              <a:ext uri="{91240B29-F687-4f45-9708-019B960494DF}">
-                <a14:hiddenLine xmlns:a14="http://schemas.microsoft.com/office/drawing/2010/main" xmlns="" w="9525">
+              <a:ext uri="{91240B29-F687-4F45-9708-019B960494DF}">
+                <a14:hiddenLine xmlns:a14="http://schemas.microsoft.com/office/drawing/2010/main" w="9525">
                   <a:solidFill>
                     <a:srgbClr val="000000"/>
                   </a:solidFill>
@@ -23776,8 +23866,8 @@
               <a:noFill/>
             </a:ln>
             <a:extLst>
-              <a:ext uri="{91240B29-F687-4f45-9708-019B960494DF}">
-                <a14:hiddenLine xmlns:a14="http://schemas.microsoft.com/office/drawing/2010/main" xmlns="" w="9525">
+              <a:ext uri="{91240B29-F687-4F45-9708-019B960494DF}">
+                <a14:hiddenLine xmlns:a14="http://schemas.microsoft.com/office/drawing/2010/main" w="9525">
                   <a:solidFill>
                     <a:srgbClr val="000000"/>
                   </a:solidFill>
@@ -23998,8 +24088,8 @@
               <a:noFill/>
             </a:ln>
             <a:extLst>
-              <a:ext uri="{91240B29-F687-4f45-9708-019B960494DF}">
-                <a14:hiddenLine xmlns:a14="http://schemas.microsoft.com/office/drawing/2010/main" xmlns="" w="9525">
+              <a:ext uri="{91240B29-F687-4F45-9708-019B960494DF}">
+                <a14:hiddenLine xmlns:a14="http://schemas.microsoft.com/office/drawing/2010/main" w="9525">
                   <a:solidFill>
                     <a:srgbClr val="000000"/>
                   </a:solidFill>
@@ -24311,8 +24401,8 @@
               <a:noFill/>
             </a:ln>
             <a:extLst>
-              <a:ext uri="{91240B29-F687-4f45-9708-019B960494DF}">
-                <a14:hiddenLine xmlns:a14="http://schemas.microsoft.com/office/drawing/2010/main" xmlns="" w="9525">
+              <a:ext uri="{91240B29-F687-4F45-9708-019B960494DF}">
+                <a14:hiddenLine xmlns:a14="http://schemas.microsoft.com/office/drawing/2010/main" w="9525">
                   <a:solidFill>
                     <a:srgbClr val="000000"/>
                   </a:solidFill>
@@ -24695,8 +24785,8 @@
               <a:noFill/>
             </a:ln>
             <a:extLst>
-              <a:ext uri="{91240B29-F687-4f45-9708-019B960494DF}">
-                <a14:hiddenLine xmlns:a14="http://schemas.microsoft.com/office/drawing/2010/main" xmlns="" w="9525">
+              <a:ext uri="{91240B29-F687-4F45-9708-019B960494DF}">
+                <a14:hiddenLine xmlns:a14="http://schemas.microsoft.com/office/drawing/2010/main" w="9525">
                   <a:solidFill>
                     <a:srgbClr val="000000"/>
                   </a:solidFill>
@@ -24888,8 +24978,8 @@
               <a:noFill/>
             </a:ln>
             <a:extLst>
-              <a:ext uri="{91240B29-F687-4f45-9708-019B960494DF}">
-                <a14:hiddenLine xmlns:a14="http://schemas.microsoft.com/office/drawing/2010/main" xmlns="" w="9525">
+              <a:ext uri="{91240B29-F687-4F45-9708-019B960494DF}">
+                <a14:hiddenLine xmlns:a14="http://schemas.microsoft.com/office/drawing/2010/main" w="9525">
                   <a:solidFill>
                     <a:srgbClr val="000000"/>
                   </a:solidFill>
@@ -25179,8 +25269,8 @@
               <a:noFill/>
             </a:ln>
             <a:extLst>
-              <a:ext uri="{91240B29-F687-4f45-9708-019B960494DF}">
-                <a14:hiddenLine xmlns:a14="http://schemas.microsoft.com/office/drawing/2010/main" xmlns="" w="9525">
+              <a:ext uri="{91240B29-F687-4F45-9708-019B960494DF}">
+                <a14:hiddenLine xmlns:a14="http://schemas.microsoft.com/office/drawing/2010/main" w="9525">
                   <a:solidFill>
                     <a:srgbClr val="000000"/>
                   </a:solidFill>
@@ -25676,8 +25766,8 @@
               <a:noFill/>
             </a:ln>
             <a:extLst>
-              <a:ext uri="{91240B29-F687-4f45-9708-019B960494DF}">
-                <a14:hiddenLine xmlns:a14="http://schemas.microsoft.com/office/drawing/2010/main" xmlns="" w="9525">
+              <a:ext uri="{91240B29-F687-4F45-9708-019B960494DF}">
+                <a14:hiddenLine xmlns:a14="http://schemas.microsoft.com/office/drawing/2010/main" w="9525">
                   <a:solidFill>
                     <a:srgbClr val="000000"/>
                   </a:solidFill>
@@ -25850,8 +25940,8 @@
               <a:noFill/>
             </a:ln>
             <a:extLst>
-              <a:ext uri="{91240B29-F687-4f45-9708-019B960494DF}">
-                <a14:hiddenLine xmlns:a14="http://schemas.microsoft.com/office/drawing/2010/main" xmlns="" w="9525">
+              <a:ext uri="{91240B29-F687-4F45-9708-019B960494DF}">
+                <a14:hiddenLine xmlns:a14="http://schemas.microsoft.com/office/drawing/2010/main" w="9525">
                   <a:solidFill>
                     <a:srgbClr val="000000"/>
                   </a:solidFill>
@@ -26072,8 +26162,8 @@
               <a:noFill/>
             </a:ln>
             <a:extLst>
-              <a:ext uri="{91240B29-F687-4f45-9708-019B960494DF}">
-                <a14:hiddenLine xmlns:a14="http://schemas.microsoft.com/office/drawing/2010/main" xmlns="" w="9525">
+              <a:ext uri="{91240B29-F687-4F45-9708-019B960494DF}">
+                <a14:hiddenLine xmlns:a14="http://schemas.microsoft.com/office/drawing/2010/main" w="9525">
                   <a:solidFill>
                     <a:srgbClr val="000000"/>
                   </a:solidFill>
@@ -26385,8 +26475,8 @@
               <a:noFill/>
             </a:ln>
             <a:extLst>
-              <a:ext uri="{91240B29-F687-4f45-9708-019B960494DF}">
-                <a14:hiddenLine xmlns:a14="http://schemas.microsoft.com/office/drawing/2010/main" xmlns="" w="9525">
+              <a:ext uri="{91240B29-F687-4F45-9708-019B960494DF}">
+                <a14:hiddenLine xmlns:a14="http://schemas.microsoft.com/office/drawing/2010/main" w="9525">
                   <a:solidFill>
                     <a:srgbClr val="000000"/>
                   </a:solidFill>
@@ -26769,8 +26859,8 @@
               <a:noFill/>
             </a:ln>
             <a:extLst>
-              <a:ext uri="{91240B29-F687-4f45-9708-019B960494DF}">
-                <a14:hiddenLine xmlns:a14="http://schemas.microsoft.com/office/drawing/2010/main" xmlns="" w="9525">
+              <a:ext uri="{91240B29-F687-4F45-9708-019B960494DF}">
+                <a14:hiddenLine xmlns:a14="http://schemas.microsoft.com/office/drawing/2010/main" w="9525">
                   <a:solidFill>
                     <a:srgbClr val="000000"/>
                   </a:solidFill>
@@ -26962,8 +27052,8 @@
               <a:noFill/>
             </a:ln>
             <a:extLst>
-              <a:ext uri="{91240B29-F687-4f45-9708-019B960494DF}">
-                <a14:hiddenLine xmlns:a14="http://schemas.microsoft.com/office/drawing/2010/main" xmlns="" w="9525">
+              <a:ext uri="{91240B29-F687-4F45-9708-019B960494DF}">
+                <a14:hiddenLine xmlns:a14="http://schemas.microsoft.com/office/drawing/2010/main" w="9525">
                   <a:solidFill>
                     <a:srgbClr val="000000"/>
                   </a:solidFill>
@@ -27253,8 +27343,8 @@
               <a:noFill/>
             </a:ln>
             <a:extLst>
-              <a:ext uri="{91240B29-F687-4f45-9708-019B960494DF}">
-                <a14:hiddenLine xmlns:a14="http://schemas.microsoft.com/office/drawing/2010/main" xmlns="" w="9525">
+              <a:ext uri="{91240B29-F687-4F45-9708-019B960494DF}">
+                <a14:hiddenLine xmlns:a14="http://schemas.microsoft.com/office/drawing/2010/main" w="9525">
                   <a:solidFill>
                     <a:srgbClr val="000000"/>
                   </a:solidFill>
@@ -27751,8 +27841,8 @@
               <a:noFill/>
             </a:ln>
             <a:extLst>
-              <a:ext uri="{91240B29-F687-4f45-9708-019B960494DF}">
-                <a14:hiddenLine xmlns:a14="http://schemas.microsoft.com/office/drawing/2010/main" xmlns="" w="9525">
+              <a:ext uri="{91240B29-F687-4F45-9708-019B960494DF}">
+                <a14:hiddenLine xmlns:a14="http://schemas.microsoft.com/office/drawing/2010/main" w="9525">
                   <a:solidFill>
                     <a:srgbClr val="000000"/>
                   </a:solidFill>
@@ -27923,8 +28013,8 @@
               <a:noFill/>
             </a:ln>
             <a:extLst>
-              <a:ext uri="{91240B29-F687-4f45-9708-019B960494DF}">
-                <a14:hiddenLine xmlns:a14="http://schemas.microsoft.com/office/drawing/2010/main" xmlns="" w="9525">
+              <a:ext uri="{91240B29-F687-4F45-9708-019B960494DF}">
+                <a14:hiddenLine xmlns:a14="http://schemas.microsoft.com/office/drawing/2010/main" w="9525">
                   <a:solidFill>
                     <a:srgbClr val="000000"/>
                   </a:solidFill>
@@ -28143,8 +28233,8 @@
               <a:noFill/>
             </a:ln>
             <a:extLst>
-              <a:ext uri="{91240B29-F687-4f45-9708-019B960494DF}">
-                <a14:hiddenLine xmlns:a14="http://schemas.microsoft.com/office/drawing/2010/main" xmlns="" w="9525">
+              <a:ext uri="{91240B29-F687-4F45-9708-019B960494DF}">
+                <a14:hiddenLine xmlns:a14="http://schemas.microsoft.com/office/drawing/2010/main" w="9525">
                   <a:solidFill>
                     <a:srgbClr val="000000"/>
                   </a:solidFill>
@@ -28454,8 +28544,8 @@
               <a:noFill/>
             </a:ln>
             <a:extLst>
-              <a:ext uri="{91240B29-F687-4f45-9708-019B960494DF}">
-                <a14:hiddenLine xmlns:a14="http://schemas.microsoft.com/office/drawing/2010/main" xmlns="" w="9525">
+              <a:ext uri="{91240B29-F687-4F45-9708-019B960494DF}">
+                <a14:hiddenLine xmlns:a14="http://schemas.microsoft.com/office/drawing/2010/main" w="9525">
                   <a:solidFill>
                     <a:srgbClr val="000000"/>
                   </a:solidFill>
@@ -28836,8 +28926,8 @@
               <a:noFill/>
             </a:ln>
             <a:extLst>
-              <a:ext uri="{91240B29-F687-4f45-9708-019B960494DF}">
-                <a14:hiddenLine xmlns:a14="http://schemas.microsoft.com/office/drawing/2010/main" xmlns="" w="9525">
+              <a:ext uri="{91240B29-F687-4F45-9708-019B960494DF}">
+                <a14:hiddenLine xmlns:a14="http://schemas.microsoft.com/office/drawing/2010/main" w="9525">
                   <a:solidFill>
                     <a:srgbClr val="000000"/>
                   </a:solidFill>
@@ -29027,8 +29117,8 @@
               <a:noFill/>
             </a:ln>
             <a:extLst>
-              <a:ext uri="{91240B29-F687-4f45-9708-019B960494DF}">
-                <a14:hiddenLine xmlns:a14="http://schemas.microsoft.com/office/drawing/2010/main" xmlns="" w="9525">
+              <a:ext uri="{91240B29-F687-4F45-9708-019B960494DF}">
+                <a14:hiddenLine xmlns:a14="http://schemas.microsoft.com/office/drawing/2010/main" w="9525">
                   <a:solidFill>
                     <a:srgbClr val="000000"/>
                   </a:solidFill>
@@ -29316,8 +29406,8 @@
               <a:noFill/>
             </a:ln>
             <a:extLst>
-              <a:ext uri="{91240B29-F687-4f45-9708-019B960494DF}">
-                <a14:hiddenLine xmlns:a14="http://schemas.microsoft.com/office/drawing/2010/main" xmlns="" w="9525">
+              <a:ext uri="{91240B29-F687-4F45-9708-019B960494DF}">
+                <a14:hiddenLine xmlns:a14="http://schemas.microsoft.com/office/drawing/2010/main" w="9525">
                   <a:solidFill>
                     <a:srgbClr val="000000"/>
                   </a:solidFill>
@@ -30234,8 +30324,8 @@
               <a:noFill/>
             </a:ln>
             <a:extLst>
-              <a:ext uri="{91240B29-F687-4f45-9708-019B960494DF}">
-                <a14:hiddenLine xmlns:a14="http://schemas.microsoft.com/office/drawing/2010/main" xmlns="" w="9525">
+              <a:ext uri="{91240B29-F687-4F45-9708-019B960494DF}">
+                <a14:hiddenLine xmlns:a14="http://schemas.microsoft.com/office/drawing/2010/main" w="9525">
                   <a:solidFill>
                     <a:srgbClr val="000000"/>
                   </a:solidFill>
@@ -30408,8 +30498,8 @@
               <a:noFill/>
             </a:ln>
             <a:extLst>
-              <a:ext uri="{91240B29-F687-4f45-9708-019B960494DF}">
-                <a14:hiddenLine xmlns:a14="http://schemas.microsoft.com/office/drawing/2010/main" xmlns="" w="9525">
+              <a:ext uri="{91240B29-F687-4F45-9708-019B960494DF}">
+                <a14:hiddenLine xmlns:a14="http://schemas.microsoft.com/office/drawing/2010/main" w="9525">
                   <a:solidFill>
                     <a:srgbClr val="000000"/>
                   </a:solidFill>
@@ -30630,8 +30720,8 @@
               <a:noFill/>
             </a:ln>
             <a:extLst>
-              <a:ext uri="{91240B29-F687-4f45-9708-019B960494DF}">
-                <a14:hiddenLine xmlns:a14="http://schemas.microsoft.com/office/drawing/2010/main" xmlns="" w="9525">
+              <a:ext uri="{91240B29-F687-4F45-9708-019B960494DF}">
+                <a14:hiddenLine xmlns:a14="http://schemas.microsoft.com/office/drawing/2010/main" w="9525">
                   <a:solidFill>
                     <a:srgbClr val="000000"/>
                   </a:solidFill>
@@ -30943,8 +31033,8 @@
               <a:noFill/>
             </a:ln>
             <a:extLst>
-              <a:ext uri="{91240B29-F687-4f45-9708-019B960494DF}">
-                <a14:hiddenLine xmlns:a14="http://schemas.microsoft.com/office/drawing/2010/main" xmlns="" w="9525">
+              <a:ext uri="{91240B29-F687-4F45-9708-019B960494DF}">
+                <a14:hiddenLine xmlns:a14="http://schemas.microsoft.com/office/drawing/2010/main" w="9525">
                   <a:solidFill>
                     <a:srgbClr val="000000"/>
                   </a:solidFill>
@@ -31327,8 +31417,8 @@
               <a:noFill/>
             </a:ln>
             <a:extLst>
-              <a:ext uri="{91240B29-F687-4f45-9708-019B960494DF}">
-                <a14:hiddenLine xmlns:a14="http://schemas.microsoft.com/office/drawing/2010/main" xmlns="" w="9525">
+              <a:ext uri="{91240B29-F687-4F45-9708-019B960494DF}">
+                <a14:hiddenLine xmlns:a14="http://schemas.microsoft.com/office/drawing/2010/main" w="9525">
                   <a:solidFill>
                     <a:srgbClr val="000000"/>
                   </a:solidFill>
@@ -31520,8 +31610,8 @@
               <a:noFill/>
             </a:ln>
             <a:extLst>
-              <a:ext uri="{91240B29-F687-4f45-9708-019B960494DF}">
-                <a14:hiddenLine xmlns:a14="http://schemas.microsoft.com/office/drawing/2010/main" xmlns="" w="9525">
+              <a:ext uri="{91240B29-F687-4F45-9708-019B960494DF}">
+                <a14:hiddenLine xmlns:a14="http://schemas.microsoft.com/office/drawing/2010/main" w="9525">
                   <a:solidFill>
                     <a:srgbClr val="000000"/>
                   </a:solidFill>
@@ -31811,8 +31901,8 @@
               <a:noFill/>
             </a:ln>
             <a:extLst>
-              <a:ext uri="{91240B29-F687-4f45-9708-019B960494DF}">
-                <a14:hiddenLine xmlns:a14="http://schemas.microsoft.com/office/drawing/2010/main" xmlns="" w="9525">
+              <a:ext uri="{91240B29-F687-4F45-9708-019B960494DF}">
+                <a14:hiddenLine xmlns:a14="http://schemas.microsoft.com/office/drawing/2010/main" w="9525">
                   <a:solidFill>
                     <a:srgbClr val="000000"/>
                   </a:solidFill>
@@ -32173,8 +32263,8 @@
               <a:noFill/>
             </a:ln>
             <a:extLst>
-              <a:ext uri="{91240B29-F687-4f45-9708-019B960494DF}">
-                <a14:hiddenLine xmlns:a14="http://schemas.microsoft.com/office/drawing/2010/main" xmlns="" w="9525">
+              <a:ext uri="{91240B29-F687-4F45-9708-019B960494DF}">
+                <a14:hiddenLine xmlns:a14="http://schemas.microsoft.com/office/drawing/2010/main" w="9525">
                   <a:solidFill>
                     <a:srgbClr val="000000"/>
                   </a:solidFill>
@@ -32345,8 +32435,8 @@
               <a:noFill/>
             </a:ln>
             <a:extLst>
-              <a:ext uri="{91240B29-F687-4f45-9708-019B960494DF}">
-                <a14:hiddenLine xmlns:a14="http://schemas.microsoft.com/office/drawing/2010/main" xmlns="" w="9525">
+              <a:ext uri="{91240B29-F687-4F45-9708-019B960494DF}">
+                <a14:hiddenLine xmlns:a14="http://schemas.microsoft.com/office/drawing/2010/main" w="9525">
                   <a:solidFill>
                     <a:srgbClr val="000000"/>
                   </a:solidFill>
@@ -32565,8 +32655,8 @@
               <a:noFill/>
             </a:ln>
             <a:extLst>
-              <a:ext uri="{91240B29-F687-4f45-9708-019B960494DF}">
-                <a14:hiddenLine xmlns:a14="http://schemas.microsoft.com/office/drawing/2010/main" xmlns="" w="9525">
+              <a:ext uri="{91240B29-F687-4F45-9708-019B960494DF}">
+                <a14:hiddenLine xmlns:a14="http://schemas.microsoft.com/office/drawing/2010/main" w="9525">
                   <a:solidFill>
                     <a:srgbClr val="000000"/>
                   </a:solidFill>
@@ -32876,8 +32966,8 @@
               <a:noFill/>
             </a:ln>
             <a:extLst>
-              <a:ext uri="{91240B29-F687-4f45-9708-019B960494DF}">
-                <a14:hiddenLine xmlns:a14="http://schemas.microsoft.com/office/drawing/2010/main" xmlns="" w="9525">
+              <a:ext uri="{91240B29-F687-4F45-9708-019B960494DF}">
+                <a14:hiddenLine xmlns:a14="http://schemas.microsoft.com/office/drawing/2010/main" w="9525">
                   <a:solidFill>
                     <a:srgbClr val="000000"/>
                   </a:solidFill>
@@ -33258,8 +33348,8 @@
               <a:noFill/>
             </a:ln>
             <a:extLst>
-              <a:ext uri="{91240B29-F687-4f45-9708-019B960494DF}">
-                <a14:hiddenLine xmlns:a14="http://schemas.microsoft.com/office/drawing/2010/main" xmlns="" w="9525">
+              <a:ext uri="{91240B29-F687-4F45-9708-019B960494DF}">
+                <a14:hiddenLine xmlns:a14="http://schemas.microsoft.com/office/drawing/2010/main" w="9525">
                   <a:solidFill>
                     <a:srgbClr val="000000"/>
                   </a:solidFill>
@@ -33449,8 +33539,8 @@
               <a:noFill/>
             </a:ln>
             <a:extLst>
-              <a:ext uri="{91240B29-F687-4f45-9708-019B960494DF}">
-                <a14:hiddenLine xmlns:a14="http://schemas.microsoft.com/office/drawing/2010/main" xmlns="" w="9525">
+              <a:ext uri="{91240B29-F687-4F45-9708-019B960494DF}">
+                <a14:hiddenLine xmlns:a14="http://schemas.microsoft.com/office/drawing/2010/main" w="9525">
                   <a:solidFill>
                     <a:srgbClr val="000000"/>
                   </a:solidFill>
@@ -33738,8 +33828,8 @@
               <a:noFill/>
             </a:ln>
             <a:extLst>
-              <a:ext uri="{91240B29-F687-4f45-9708-019B960494DF}">
-                <a14:hiddenLine xmlns:a14="http://schemas.microsoft.com/office/drawing/2010/main" xmlns="" w="9525">
+              <a:ext uri="{91240B29-F687-4F45-9708-019B960494DF}">
+                <a14:hiddenLine xmlns:a14="http://schemas.microsoft.com/office/drawing/2010/main" w="9525">
                   <a:solidFill>
                     <a:srgbClr val="000000"/>
                   </a:solidFill>
@@ -34383,8 +34473,8 @@
               <a:noFill/>
             </a:ln>
             <a:extLst>
-              <a:ext uri="{91240B29-F687-4f45-9708-019B960494DF}">
-                <a14:hiddenLine xmlns:a14="http://schemas.microsoft.com/office/drawing/2010/main" xmlns="" w="9525">
+              <a:ext uri="{91240B29-F687-4F45-9708-019B960494DF}">
+                <a14:hiddenLine xmlns:a14="http://schemas.microsoft.com/office/drawing/2010/main" w="9525">
                   <a:solidFill>
                     <a:srgbClr val="000000"/>
                   </a:solidFill>
@@ -34557,8 +34647,8 @@
               <a:noFill/>
             </a:ln>
             <a:extLst>
-              <a:ext uri="{91240B29-F687-4f45-9708-019B960494DF}">
-                <a14:hiddenLine xmlns:a14="http://schemas.microsoft.com/office/drawing/2010/main" xmlns="" w="9525">
+              <a:ext uri="{91240B29-F687-4F45-9708-019B960494DF}">
+                <a14:hiddenLine xmlns:a14="http://schemas.microsoft.com/office/drawing/2010/main" w="9525">
                   <a:solidFill>
                     <a:srgbClr val="000000"/>
                   </a:solidFill>
@@ -34779,8 +34869,8 @@
               <a:noFill/>
             </a:ln>
             <a:extLst>
-              <a:ext uri="{91240B29-F687-4f45-9708-019B960494DF}">
-                <a14:hiddenLine xmlns:a14="http://schemas.microsoft.com/office/drawing/2010/main" xmlns="" w="9525">
+              <a:ext uri="{91240B29-F687-4F45-9708-019B960494DF}">
+                <a14:hiddenLine xmlns:a14="http://schemas.microsoft.com/office/drawing/2010/main" w="9525">
                   <a:solidFill>
                     <a:srgbClr val="000000"/>
                   </a:solidFill>
@@ -35092,8 +35182,8 @@
               <a:noFill/>
             </a:ln>
             <a:extLst>
-              <a:ext uri="{91240B29-F687-4f45-9708-019B960494DF}">
-                <a14:hiddenLine xmlns:a14="http://schemas.microsoft.com/office/drawing/2010/main" xmlns="" w="9525">
+              <a:ext uri="{91240B29-F687-4F45-9708-019B960494DF}">
+                <a14:hiddenLine xmlns:a14="http://schemas.microsoft.com/office/drawing/2010/main" w="9525">
                   <a:solidFill>
                     <a:srgbClr val="000000"/>
                   </a:solidFill>
@@ -35476,8 +35566,8 @@
               <a:noFill/>
             </a:ln>
             <a:extLst>
-              <a:ext uri="{91240B29-F687-4f45-9708-019B960494DF}">
-                <a14:hiddenLine xmlns:a14="http://schemas.microsoft.com/office/drawing/2010/main" xmlns="" w="9525">
+              <a:ext uri="{91240B29-F687-4F45-9708-019B960494DF}">
+                <a14:hiddenLine xmlns:a14="http://schemas.microsoft.com/office/drawing/2010/main" w="9525">
                   <a:solidFill>
                     <a:srgbClr val="000000"/>
                   </a:solidFill>
@@ -35669,8 +35759,8 @@
               <a:noFill/>
             </a:ln>
             <a:extLst>
-              <a:ext uri="{91240B29-F687-4f45-9708-019B960494DF}">
-                <a14:hiddenLine xmlns:a14="http://schemas.microsoft.com/office/drawing/2010/main" xmlns="" w="9525">
+              <a:ext uri="{91240B29-F687-4F45-9708-019B960494DF}">
+                <a14:hiddenLine xmlns:a14="http://schemas.microsoft.com/office/drawing/2010/main" w="9525">
                   <a:solidFill>
                     <a:srgbClr val="000000"/>
                   </a:solidFill>
@@ -35960,8 +36050,8 @@
               <a:noFill/>
             </a:ln>
             <a:extLst>
-              <a:ext uri="{91240B29-F687-4f45-9708-019B960494DF}">
-                <a14:hiddenLine xmlns:a14="http://schemas.microsoft.com/office/drawing/2010/main" xmlns="" w="9525">
+              <a:ext uri="{91240B29-F687-4F45-9708-019B960494DF}">
+                <a14:hiddenLine xmlns:a14="http://schemas.microsoft.com/office/drawing/2010/main" w="9525">
                   <a:solidFill>
                     <a:srgbClr val="000000"/>
                   </a:solidFill>
@@ -36794,6 +36884,125 @@
             <p:ph type="title"/>
           </p:nvPr>
         </p:nvSpPr>
+        <p:spPr>
+          <a:xfrm>
+            <a:off x="227012" y="990600"/>
+            <a:ext cx="7313295" cy="533400"/>
+          </a:xfrm>
+        </p:spPr>
+        <p:txBody>
+          <a:bodyPr/>
+          <a:lstStyle/>
+          <a:p>
+            <a:r>
+              <a:rPr lang="en-US" dirty="0" smtClean="0"/>
+              <a:t>Demo</a:t>
+            </a:r>
+            <a:endParaRPr lang="en-US" dirty="0"/>
+          </a:p>
+        </p:txBody>
+      </p:sp>
+      <p:pic>
+        <p:nvPicPr>
+          <p:cNvPr id="1028" name="Picture 4"/>
+          <p:cNvPicPr>
+            <a:picLocks noChangeAspect="1" noChangeArrowheads="1"/>
+          </p:cNvPicPr>
+          <p:nvPr/>
+        </p:nvPicPr>
+        <p:blipFill>
+          <a:blip r:embed="rId3">
+            <a:extLst>
+              <a:ext uri="{28A0092B-C50C-407E-A947-70E740481C1C}">
+                <a14:useLocalDpi xmlns:a14="http://schemas.microsoft.com/office/drawing/2010/main" val="0"/>
+              </a:ext>
+            </a:extLst>
+          </a:blip>
+          <a:srcRect/>
+          <a:stretch>
+            <a:fillRect/>
+          </a:stretch>
+        </p:blipFill>
+        <p:spPr bwMode="auto">
+          <a:xfrm>
+            <a:off x="150812" y="1676400"/>
+            <a:ext cx="8104188" cy="4613438"/>
+          </a:xfrm>
+          <a:prstGeom prst="rect">
+            <a:avLst/>
+          </a:prstGeom>
+          <a:noFill/>
+          <a:ln>
+            <a:noFill/>
+          </a:ln>
+          <a:extLst>
+            <a:ext uri="{909E8E84-426E-40DD-AFC4-6F175D3DCCD1}">
+              <a14:hiddenFill xmlns:a14="http://schemas.microsoft.com/office/drawing/2010/main">
+                <a:solidFill>
+                  <a:schemeClr val="accent1"/>
+                </a:solidFill>
+              </a14:hiddenFill>
+            </a:ext>
+            <a:ext uri="{91240B29-F687-4F45-9708-019B960494DF}">
+              <a14:hiddenLine xmlns:a14="http://schemas.microsoft.com/office/drawing/2010/main" w="9525">
+                <a:solidFill>
+                  <a:schemeClr val="tx1"/>
+                </a:solidFill>
+                <a:miter lim="800000"/>
+                <a:headEnd/>
+                <a:tailEnd/>
+              </a14:hiddenLine>
+            </a:ext>
+          </a:extLst>
+        </p:spPr>
+      </p:pic>
+    </p:spTree>
+    <p:extLst>
+      <p:ext uri="{BB962C8B-B14F-4D97-AF65-F5344CB8AC3E}">
+        <p14:creationId xmlns:p14="http://schemas.microsoft.com/office/powerpoint/2010/main" val="57553415"/>
+      </p:ext>
+    </p:extLst>
+  </p:cSld>
+  <p:clrMapOvr>
+    <a:masterClrMapping/>
+  </p:clrMapOvr>
+  <p:timing>
+    <p:tnLst>
+      <p:par>
+        <p:cTn id="1" dur="indefinite" restart="never" nodeType="tmRoot"/>
+      </p:par>
+    </p:tnLst>
+  </p:timing>
+</p:sld>
+</file>
+
+<file path=ppt/slides/slide11.xml><?xml version="1.0" encoding="utf-8"?>
+<p:sld xmlns:a="http://schemas.openxmlformats.org/drawingml/2006/main" xmlns:r="http://schemas.openxmlformats.org/officeDocument/2006/relationships" xmlns:p="http://schemas.openxmlformats.org/presentationml/2006/main">
+  <p:cSld>
+    <p:spTree>
+      <p:nvGrpSpPr>
+        <p:cNvPr id="1" name=""/>
+        <p:cNvGrpSpPr/>
+        <p:nvPr/>
+      </p:nvGrpSpPr>
+      <p:grpSpPr>
+        <a:xfrm>
+          <a:off x="0" y="0"/>
+          <a:ext cx="0" cy="0"/>
+          <a:chOff x="0" y="0"/>
+          <a:chExt cx="0" cy="0"/>
+        </a:xfrm>
+      </p:grpSpPr>
+      <p:sp>
+        <p:nvSpPr>
+          <p:cNvPr id="2" name="Title 1"/>
+          <p:cNvSpPr>
+            <a:spLocks noGrp="1"/>
+          </p:cNvSpPr>
+          <p:nvPr>
+            <p:ph type="title"/>
+          </p:nvPr>
+        </p:nvSpPr>
         <p:spPr/>
         <p:txBody>
           <a:bodyPr/>
@@ -36848,7 +37057,7 @@
     </p:spTree>
     <p:extLst>
       <p:ext uri="{BB962C8B-B14F-4D97-AF65-F5344CB8AC3E}">
-        <p14:creationId xmlns:p14="http://schemas.microsoft.com/office/powerpoint/2010/main" val="57553415"/>
+        <p14:creationId xmlns:p14="http://schemas.microsoft.com/office/powerpoint/2010/main" val="3972809562"/>
       </p:ext>
     </p:extLst>
   </p:cSld>
@@ -37513,7 +37722,6 @@
               <a:rPr lang="en-US" dirty="0" smtClean="0"/>
               <a:t>Language understanding intelligent service</a:t>
             </a:r>
-            <a:endParaRPr lang="en-US" dirty="0" smtClean="0"/>
           </a:p>
           <a:p>
             <a:r>
@@ -37725,7 +37933,6 @@
               <a:rPr lang="en-US" dirty="0" smtClean="0"/>
               <a:t>Language understanding intelligent service</a:t>
             </a:r>
-            <a:endParaRPr lang="en-US" dirty="0" smtClean="0"/>
           </a:p>
           <a:p>
             <a:r>
@@ -37937,7 +38144,6 @@
               <a:rPr lang="en-US" dirty="0" smtClean="0"/>
               <a:t>Language understanding intelligent service</a:t>
             </a:r>
-            <a:endParaRPr lang="en-US" dirty="0" smtClean="0"/>
           </a:p>
           <a:p>
             <a:r>
@@ -38149,7 +38355,6 @@
               <a:rPr lang="en-US" dirty="0" smtClean="0"/>
               <a:t>Language understanding intelligent service</a:t>
             </a:r>
-            <a:endParaRPr lang="en-US" dirty="0" smtClean="0"/>
           </a:p>
           <a:p>
             <a:r>
@@ -38405,7 +38610,6 @@
               <a:rPr lang="en-US" dirty="0"/>
               <a:t>Report request status</a:t>
             </a:r>
-            <a:endParaRPr lang="en-US" dirty="0"/>
           </a:p>
         </p:txBody>
       </p:sp>
